--- a/Group_Project/프로젝트기획서/프로젝트기획서_남정한.pptx
+++ b/Group_Project/프로젝트기획서/프로젝트기획서_남정한.pptx
@@ -18,40 +18,40 @@
   <p:notesSz cx="6858000" cy="9144000"/>
   <p:embeddedFontLst>
     <p:embeddedFont>
-      <p:font typeface="맑은 고딕" panose="020B0503020000020004" pitchFamily="50" charset="-127"/>
+      <p:font typeface="Cabin" panose="020B0600000101010101" charset="0"/>
       <p:regular r:id="rId10"/>
-      <p:bold r:id="rId11"/>
-    </p:embeddedFont>
-    <p:embeddedFont>
-      <p:font typeface="Cabin" panose="020B0600000101010101" charset="0"/>
-      <p:regular r:id="rId12"/>
     </p:embeddedFont>
     <p:embeddedFont>
       <p:font typeface="Cabin Bold" panose="020B0600000101010101" charset="0"/>
-      <p:regular r:id="rId13"/>
+      <p:regular r:id="rId11"/>
     </p:embeddedFont>
     <p:embeddedFont>
       <p:font typeface="Calibri" panose="020F0502020204030204" pitchFamily="34" charset="0"/>
-      <p:regular r:id="rId14"/>
-      <p:bold r:id="rId15"/>
-      <p:italic r:id="rId16"/>
-      <p:boldItalic r:id="rId17"/>
+      <p:regular r:id="rId12"/>
+      <p:bold r:id="rId13"/>
+      <p:italic r:id="rId14"/>
+      <p:boldItalic r:id="rId15"/>
     </p:embeddedFont>
     <p:embeddedFont>
       <p:font typeface="Canva Sans" panose="020B0600000101010101" charset="0"/>
+      <p:regular r:id="rId16"/>
+    </p:embeddedFont>
+    <p:embeddedFont>
+      <p:font typeface="Canva Sans Bold" panose="020B0600000101010101" charset="0"/>
+      <p:regular r:id="rId17"/>
+    </p:embeddedFont>
+    <p:embeddedFont>
+      <p:font typeface="Canva Sans Medium" panose="020B0600000101010101" charset="0"/>
       <p:regular r:id="rId18"/>
     </p:embeddedFont>
     <p:embeddedFont>
-      <p:font typeface="Canva Sans Bold" panose="020B0600000101010101" charset="0"/>
+      <p:font typeface="HY헤드라인M" panose="02030600000101010101" pitchFamily="18" charset="-127"/>
       <p:regular r:id="rId19"/>
     </p:embeddedFont>
     <p:embeddedFont>
-      <p:font typeface="Canva Sans Medium" panose="020B0600000101010101" charset="0"/>
+      <p:font typeface="맑은 고딕" panose="020B0503020000020004" pitchFamily="50" charset="-127"/>
       <p:regular r:id="rId20"/>
-    </p:embeddedFont>
-    <p:embeddedFont>
-      <p:font typeface="HY헤드라인M" panose="02030600000101010101" pitchFamily="18" charset="-127"/>
-      <p:regular r:id="rId21"/>
+      <p:bold r:id="rId21"/>
     </p:embeddedFont>
   </p:embeddedFontLst>
   <p:defaultTextStyle>
@@ -348,7 +348,7 @@
             <a:fld id="{1D8BD707-D9CF-40AE-B4C6-C98DA3205C09}" type="datetimeFigureOut">
               <a:rPr lang="en-US" smtClean="0"/>
               <a:pPr/>
-              <a:t>2/19/2025</a:t>
+              <a:t>2/20/2025</a:t>
             </a:fld>
             <a:endParaRPr lang="en-US"/>
           </a:p>
@@ -513,7 +513,7 @@
             <a:fld id="{1D8BD707-D9CF-40AE-B4C6-C98DA3205C09}" type="datetimeFigureOut">
               <a:rPr lang="en-US" smtClean="0"/>
               <a:pPr/>
-              <a:t>2/19/2025</a:t>
+              <a:t>2/20/2025</a:t>
             </a:fld>
             <a:endParaRPr lang="en-US"/>
           </a:p>
@@ -688,7 +688,7 @@
             <a:fld id="{1D8BD707-D9CF-40AE-B4C6-C98DA3205C09}" type="datetimeFigureOut">
               <a:rPr lang="en-US" smtClean="0"/>
               <a:pPr/>
-              <a:t>2/19/2025</a:t>
+              <a:t>2/20/2025</a:t>
             </a:fld>
             <a:endParaRPr lang="en-US"/>
           </a:p>
@@ -853,7 +853,7 @@
             <a:fld id="{1D8BD707-D9CF-40AE-B4C6-C98DA3205C09}" type="datetimeFigureOut">
               <a:rPr lang="en-US" smtClean="0"/>
               <a:pPr/>
-              <a:t>2/19/2025</a:t>
+              <a:t>2/20/2025</a:t>
             </a:fld>
             <a:endParaRPr lang="en-US"/>
           </a:p>
@@ -1095,7 +1095,7 @@
             <a:fld id="{1D8BD707-D9CF-40AE-B4C6-C98DA3205C09}" type="datetimeFigureOut">
               <a:rPr lang="en-US" smtClean="0"/>
               <a:pPr/>
-              <a:t>2/19/2025</a:t>
+              <a:t>2/20/2025</a:t>
             </a:fld>
             <a:endParaRPr lang="en-US"/>
           </a:p>
@@ -1377,7 +1377,7 @@
             <a:fld id="{1D8BD707-D9CF-40AE-B4C6-C98DA3205C09}" type="datetimeFigureOut">
               <a:rPr lang="en-US" smtClean="0"/>
               <a:pPr/>
-              <a:t>2/19/2025</a:t>
+              <a:t>2/20/2025</a:t>
             </a:fld>
             <a:endParaRPr lang="en-US"/>
           </a:p>
@@ -1793,7 +1793,7 @@
             <a:fld id="{1D8BD707-D9CF-40AE-B4C6-C98DA3205C09}" type="datetimeFigureOut">
               <a:rPr lang="en-US" smtClean="0"/>
               <a:pPr/>
-              <a:t>2/19/2025</a:t>
+              <a:t>2/20/2025</a:t>
             </a:fld>
             <a:endParaRPr lang="en-US"/>
           </a:p>
@@ -1907,7 +1907,7 @@
             <a:fld id="{1D8BD707-D9CF-40AE-B4C6-C98DA3205C09}" type="datetimeFigureOut">
               <a:rPr lang="en-US" smtClean="0"/>
               <a:pPr/>
-              <a:t>2/19/2025</a:t>
+              <a:t>2/20/2025</a:t>
             </a:fld>
             <a:endParaRPr lang="en-US"/>
           </a:p>
@@ -1999,7 +1999,7 @@
             <a:fld id="{1D8BD707-D9CF-40AE-B4C6-C98DA3205C09}" type="datetimeFigureOut">
               <a:rPr lang="en-US" smtClean="0"/>
               <a:pPr/>
-              <a:t>2/19/2025</a:t>
+              <a:t>2/20/2025</a:t>
             </a:fld>
             <a:endParaRPr lang="en-US"/>
           </a:p>
@@ -2271,7 +2271,7 @@
             <a:fld id="{1D8BD707-D9CF-40AE-B4C6-C98DA3205C09}" type="datetimeFigureOut">
               <a:rPr lang="en-US" smtClean="0"/>
               <a:pPr/>
-              <a:t>2/19/2025</a:t>
+              <a:t>2/20/2025</a:t>
             </a:fld>
             <a:endParaRPr lang="en-US"/>
           </a:p>
@@ -2520,7 +2520,7 @@
             <a:fld id="{1D8BD707-D9CF-40AE-B4C6-C98DA3205C09}" type="datetimeFigureOut">
               <a:rPr lang="en-US" smtClean="0"/>
               <a:pPr/>
-              <a:t>2/19/2025</a:t>
+              <a:t>2/20/2025</a:t>
             </a:fld>
             <a:endParaRPr lang="en-US"/>
           </a:p>
@@ -2728,7 +2728,7 @@
             <a:fld id="{1D8BD707-D9CF-40AE-B4C6-C98DA3205C09}" type="datetimeFigureOut">
               <a:rPr lang="en-US" smtClean="0"/>
               <a:pPr/>
-              <a:t>2/19/2025</a:t>
+              <a:t>2/20/2025</a:t>
             </a:fld>
             <a:endParaRPr lang="en-US"/>
           </a:p>
@@ -7051,10 +7051,10 @@
       </p:sp>
       <p:pic>
         <p:nvPicPr>
-          <p:cNvPr id="6" name="그림 5">
+          <p:cNvPr id="2" name="그림 1">
             <a:extLst>
               <a:ext uri="{FF2B5EF4-FFF2-40B4-BE49-F238E27FC236}">
-                <a16:creationId xmlns:a16="http://schemas.microsoft.com/office/drawing/2014/main" id="{F0D1379C-82B3-4A9E-BAB0-B085A774AE9F}"/>
+                <a16:creationId xmlns:a16="http://schemas.microsoft.com/office/drawing/2014/main" id="{CE0E8541-12DD-45D0-86B4-7AB63940DEEA}"/>
               </a:ext>
             </a:extLst>
           </p:cNvPr>
@@ -7071,8 +7071,8 @@
         </p:blipFill>
         <p:spPr>
           <a:xfrm>
-            <a:off x="864705" y="3848100"/>
-            <a:ext cx="16913619" cy="3657598"/>
+            <a:off x="822751" y="3924300"/>
+            <a:ext cx="16642498" cy="3648584"/>
           </a:xfrm>
           <a:prstGeom prst="rect">
             <a:avLst/>
